--- a/ppt/escenario.pptx
+++ b/ppt/escenario.pptx
@@ -8,6 +8,7 @@
     <p:sldId id="256" r:id="rId2"/>
     <p:sldId id="257" r:id="rId3"/>
     <p:sldId id="258" r:id="rId4"/>
+    <p:sldId id="259" r:id="rId5"/>
   </p:sldIdLst>
   <p:sldSz cx="12192000" cy="6858000"/>
   <p:notesSz cx="6858000" cy="9144000"/>
@@ -261,7 +262,7 @@
           <a:p>
             <a:fld id="{3C39D042-EB9F-4861-BDE9-5FB8E7ED3929}" type="datetimeFigureOut">
               <a:rPr lang="es-ES" smtClean="0"/>
-              <a:t>26/12/2019</a:t>
+              <a:t>29/12/2019</a:t>
             </a:fld>
             <a:endParaRPr lang="es-ES"/>
           </a:p>
@@ -459,7 +460,7 @@
           <a:p>
             <a:fld id="{3C39D042-EB9F-4861-BDE9-5FB8E7ED3929}" type="datetimeFigureOut">
               <a:rPr lang="es-ES" smtClean="0"/>
-              <a:t>26/12/2019</a:t>
+              <a:t>29/12/2019</a:t>
             </a:fld>
             <a:endParaRPr lang="es-ES"/>
           </a:p>
@@ -667,7 +668,7 @@
           <a:p>
             <a:fld id="{3C39D042-EB9F-4861-BDE9-5FB8E7ED3929}" type="datetimeFigureOut">
               <a:rPr lang="es-ES" smtClean="0"/>
-              <a:t>26/12/2019</a:t>
+              <a:t>29/12/2019</a:t>
             </a:fld>
             <a:endParaRPr lang="es-ES"/>
           </a:p>
@@ -865,7 +866,7 @@
           <a:p>
             <a:fld id="{3C39D042-EB9F-4861-BDE9-5FB8E7ED3929}" type="datetimeFigureOut">
               <a:rPr lang="es-ES" smtClean="0"/>
-              <a:t>26/12/2019</a:t>
+              <a:t>29/12/2019</a:t>
             </a:fld>
             <a:endParaRPr lang="es-ES"/>
           </a:p>
@@ -1140,7 +1141,7 @@
           <a:p>
             <a:fld id="{3C39D042-EB9F-4861-BDE9-5FB8E7ED3929}" type="datetimeFigureOut">
               <a:rPr lang="es-ES" smtClean="0"/>
-              <a:t>26/12/2019</a:t>
+              <a:t>29/12/2019</a:t>
             </a:fld>
             <a:endParaRPr lang="es-ES"/>
           </a:p>
@@ -1405,7 +1406,7 @@
           <a:p>
             <a:fld id="{3C39D042-EB9F-4861-BDE9-5FB8E7ED3929}" type="datetimeFigureOut">
               <a:rPr lang="es-ES" smtClean="0"/>
-              <a:t>26/12/2019</a:t>
+              <a:t>29/12/2019</a:t>
             </a:fld>
             <a:endParaRPr lang="es-ES"/>
           </a:p>
@@ -1817,7 +1818,7 @@
           <a:p>
             <a:fld id="{3C39D042-EB9F-4861-BDE9-5FB8E7ED3929}" type="datetimeFigureOut">
               <a:rPr lang="es-ES" smtClean="0"/>
-              <a:t>26/12/2019</a:t>
+              <a:t>29/12/2019</a:t>
             </a:fld>
             <a:endParaRPr lang="es-ES"/>
           </a:p>
@@ -1958,7 +1959,7 @@
           <a:p>
             <a:fld id="{3C39D042-EB9F-4861-BDE9-5FB8E7ED3929}" type="datetimeFigureOut">
               <a:rPr lang="es-ES" smtClean="0"/>
-              <a:t>26/12/2019</a:t>
+              <a:t>29/12/2019</a:t>
             </a:fld>
             <a:endParaRPr lang="es-ES"/>
           </a:p>
@@ -2071,7 +2072,7 @@
           <a:p>
             <a:fld id="{3C39D042-EB9F-4861-BDE9-5FB8E7ED3929}" type="datetimeFigureOut">
               <a:rPr lang="es-ES" smtClean="0"/>
-              <a:t>26/12/2019</a:t>
+              <a:t>29/12/2019</a:t>
             </a:fld>
             <a:endParaRPr lang="es-ES"/>
           </a:p>
@@ -2382,7 +2383,7 @@
           <a:p>
             <a:fld id="{3C39D042-EB9F-4861-BDE9-5FB8E7ED3929}" type="datetimeFigureOut">
               <a:rPr lang="es-ES" smtClean="0"/>
-              <a:t>26/12/2019</a:t>
+              <a:t>29/12/2019</a:t>
             </a:fld>
             <a:endParaRPr lang="es-ES"/>
           </a:p>
@@ -2670,7 +2671,7 @@
           <a:p>
             <a:fld id="{3C39D042-EB9F-4861-BDE9-5FB8E7ED3929}" type="datetimeFigureOut">
               <a:rPr lang="es-ES" smtClean="0"/>
-              <a:t>26/12/2019</a:t>
+              <a:t>29/12/2019</a:t>
             </a:fld>
             <a:endParaRPr lang="es-ES"/>
           </a:p>
@@ -2911,7 +2912,7 @@
           <a:p>
             <a:fld id="{3C39D042-EB9F-4861-BDE9-5FB8E7ED3929}" type="datetimeFigureOut">
               <a:rPr lang="es-ES" smtClean="0"/>
-              <a:t>26/12/2019</a:t>
+              <a:t>29/12/2019</a:t>
             </a:fld>
             <a:endParaRPr lang="es-ES"/>
           </a:p>
@@ -8206,6 +8207,1920 @@
 </p:sld>
 </file>
 
+<file path=ppt/slides/slide4.xml><?xml version="1.0" encoding="utf-8"?>
+<p:sld xmlns:a="http://schemas.openxmlformats.org/drawingml/2006/main" xmlns:r="http://schemas.openxmlformats.org/officeDocument/2006/relationships" xmlns:p="http://schemas.openxmlformats.org/presentationml/2006/main">
+  <p:cSld>
+    <p:spTree>
+      <p:nvGrpSpPr>
+        <p:cNvPr id="1" name=""/>
+        <p:cNvGrpSpPr/>
+        <p:nvPr/>
+      </p:nvGrpSpPr>
+      <p:grpSpPr>
+        <a:xfrm>
+          <a:off x="0" y="0"/>
+          <a:ext cx="0" cy="0"/>
+          <a:chOff x="0" y="0"/>
+          <a:chExt cx="0" cy="0"/>
+        </a:xfrm>
+      </p:grpSpPr>
+      <p:sp>
+        <p:nvSpPr>
+          <p:cNvPr id="36" name="Rectángulo: esquinas redondeadas 35">
+            <a:extLst>
+              <a:ext uri="{FF2B5EF4-FFF2-40B4-BE49-F238E27FC236}">
+                <a16:creationId xmlns:a16="http://schemas.microsoft.com/office/drawing/2014/main" id="{DF3F03EB-FF81-44B2-A121-A99B2EDB5C1F}"/>
+              </a:ext>
+            </a:extLst>
+          </p:cNvPr>
+          <p:cNvSpPr/>
+          <p:nvPr/>
+        </p:nvSpPr>
+        <p:spPr>
+          <a:xfrm>
+            <a:off x="136827" y="2577830"/>
+            <a:ext cx="11935199" cy="4241853"/>
+          </a:xfrm>
+          <a:prstGeom prst="roundRect">
+            <a:avLst/>
+          </a:prstGeom>
+          <a:solidFill>
+            <a:schemeClr val="bg2"/>
+          </a:solidFill>
+          <a:ln w="31750">
+            <a:solidFill>
+              <a:schemeClr val="tx1"/>
+            </a:solidFill>
+          </a:ln>
+        </p:spPr>
+        <p:style>
+          <a:lnRef idx="2">
+            <a:schemeClr val="accent1">
+              <a:shade val="50000"/>
+            </a:schemeClr>
+          </a:lnRef>
+          <a:fillRef idx="1">
+            <a:schemeClr val="accent1"/>
+          </a:fillRef>
+          <a:effectRef idx="0">
+            <a:schemeClr val="accent1"/>
+          </a:effectRef>
+          <a:fontRef idx="minor">
+            <a:schemeClr val="lt1"/>
+          </a:fontRef>
+        </p:style>
+        <p:txBody>
+          <a:bodyPr rtlCol="0" anchor="ctr"/>
+          <a:lstStyle/>
+          <a:p>
+            <a:pPr algn="ctr"/>
+            <a:endParaRPr lang="es-ES"/>
+          </a:p>
+        </p:txBody>
+      </p:sp>
+      <p:sp>
+        <p:nvSpPr>
+          <p:cNvPr id="43" name="Rectángulo: esquinas redondeadas 42">
+            <a:extLst>
+              <a:ext uri="{FF2B5EF4-FFF2-40B4-BE49-F238E27FC236}">
+                <a16:creationId xmlns:a16="http://schemas.microsoft.com/office/drawing/2014/main" id="{47B89852-2C66-4021-A0A2-91502D4AC07F}"/>
+              </a:ext>
+            </a:extLst>
+          </p:cNvPr>
+          <p:cNvSpPr/>
+          <p:nvPr/>
+        </p:nvSpPr>
+        <p:spPr>
+          <a:xfrm>
+            <a:off x="10424951" y="5098277"/>
+            <a:ext cx="1387007" cy="1419253"/>
+          </a:xfrm>
+          <a:prstGeom prst="roundRect">
+            <a:avLst/>
+          </a:prstGeom>
+          <a:solidFill>
+            <a:schemeClr val="accent4">
+              <a:lumMod val="20000"/>
+              <a:lumOff val="80000"/>
+            </a:schemeClr>
+          </a:solidFill>
+        </p:spPr>
+        <p:style>
+          <a:lnRef idx="2">
+            <a:schemeClr val="accent1">
+              <a:shade val="50000"/>
+            </a:schemeClr>
+          </a:lnRef>
+          <a:fillRef idx="1">
+            <a:schemeClr val="accent1"/>
+          </a:fillRef>
+          <a:effectRef idx="0">
+            <a:schemeClr val="accent1"/>
+          </a:effectRef>
+          <a:fontRef idx="minor">
+            <a:schemeClr val="lt1"/>
+          </a:fontRef>
+        </p:style>
+        <p:txBody>
+          <a:bodyPr rtlCol="0" anchor="ctr"/>
+          <a:lstStyle/>
+          <a:p>
+            <a:pPr algn="ctr"/>
+            <a:endParaRPr lang="es-ES"/>
+          </a:p>
+        </p:txBody>
+      </p:sp>
+      <p:sp>
+        <p:nvSpPr>
+          <p:cNvPr id="42" name="Rectángulo: esquinas redondeadas 41">
+            <a:extLst>
+              <a:ext uri="{FF2B5EF4-FFF2-40B4-BE49-F238E27FC236}">
+                <a16:creationId xmlns:a16="http://schemas.microsoft.com/office/drawing/2014/main" id="{A2406444-1E8B-4392-837E-39A4AD0DCD4B}"/>
+              </a:ext>
+            </a:extLst>
+          </p:cNvPr>
+          <p:cNvSpPr/>
+          <p:nvPr/>
+        </p:nvSpPr>
+        <p:spPr>
+          <a:xfrm>
+            <a:off x="8712064" y="5098278"/>
+            <a:ext cx="1387007" cy="1419253"/>
+          </a:xfrm>
+          <a:prstGeom prst="roundRect">
+            <a:avLst/>
+          </a:prstGeom>
+          <a:solidFill>
+            <a:schemeClr val="accent4">
+              <a:lumMod val="20000"/>
+              <a:lumOff val="80000"/>
+            </a:schemeClr>
+          </a:solidFill>
+        </p:spPr>
+        <p:style>
+          <a:lnRef idx="2">
+            <a:schemeClr val="accent1">
+              <a:shade val="50000"/>
+            </a:schemeClr>
+          </a:lnRef>
+          <a:fillRef idx="1">
+            <a:schemeClr val="accent1"/>
+          </a:fillRef>
+          <a:effectRef idx="0">
+            <a:schemeClr val="accent1"/>
+          </a:effectRef>
+          <a:fontRef idx="minor">
+            <a:schemeClr val="lt1"/>
+          </a:fontRef>
+        </p:style>
+        <p:txBody>
+          <a:bodyPr rtlCol="0" anchor="ctr"/>
+          <a:lstStyle/>
+          <a:p>
+            <a:pPr algn="ctr"/>
+            <a:endParaRPr lang="es-ES"/>
+          </a:p>
+        </p:txBody>
+      </p:sp>
+      <p:sp>
+        <p:nvSpPr>
+          <p:cNvPr id="41" name="Rectángulo: esquinas redondeadas 40">
+            <a:extLst>
+              <a:ext uri="{FF2B5EF4-FFF2-40B4-BE49-F238E27FC236}">
+                <a16:creationId xmlns:a16="http://schemas.microsoft.com/office/drawing/2014/main" id="{E55C18BA-BC3A-4B23-80D8-A8818299CD18}"/>
+              </a:ext>
+            </a:extLst>
+          </p:cNvPr>
+          <p:cNvSpPr/>
+          <p:nvPr/>
+        </p:nvSpPr>
+        <p:spPr>
+          <a:xfrm>
+            <a:off x="6537666" y="5098279"/>
+            <a:ext cx="1387007" cy="1419253"/>
+          </a:xfrm>
+          <a:prstGeom prst="roundRect">
+            <a:avLst/>
+          </a:prstGeom>
+          <a:solidFill>
+            <a:schemeClr val="accent4">
+              <a:lumMod val="20000"/>
+              <a:lumOff val="80000"/>
+            </a:schemeClr>
+          </a:solidFill>
+        </p:spPr>
+        <p:style>
+          <a:lnRef idx="2">
+            <a:schemeClr val="accent1">
+              <a:shade val="50000"/>
+            </a:schemeClr>
+          </a:lnRef>
+          <a:fillRef idx="1">
+            <a:schemeClr val="accent1"/>
+          </a:fillRef>
+          <a:effectRef idx="0">
+            <a:schemeClr val="accent1"/>
+          </a:effectRef>
+          <a:fontRef idx="minor">
+            <a:schemeClr val="lt1"/>
+          </a:fontRef>
+        </p:style>
+        <p:txBody>
+          <a:bodyPr rtlCol="0" anchor="ctr"/>
+          <a:lstStyle/>
+          <a:p>
+            <a:pPr algn="ctr"/>
+            <a:endParaRPr lang="es-ES"/>
+          </a:p>
+        </p:txBody>
+      </p:sp>
+      <p:sp>
+        <p:nvSpPr>
+          <p:cNvPr id="40" name="Rectángulo: esquinas redondeadas 39">
+            <a:extLst>
+              <a:ext uri="{FF2B5EF4-FFF2-40B4-BE49-F238E27FC236}">
+                <a16:creationId xmlns:a16="http://schemas.microsoft.com/office/drawing/2014/main" id="{8E26596A-82E6-4EF6-8871-8E2A1432C820}"/>
+              </a:ext>
+            </a:extLst>
+          </p:cNvPr>
+          <p:cNvSpPr/>
+          <p:nvPr/>
+        </p:nvSpPr>
+        <p:spPr>
+          <a:xfrm>
+            <a:off x="4847710" y="5100360"/>
+            <a:ext cx="1387007" cy="1419253"/>
+          </a:xfrm>
+          <a:prstGeom prst="roundRect">
+            <a:avLst/>
+          </a:prstGeom>
+          <a:solidFill>
+            <a:schemeClr val="accent4">
+              <a:lumMod val="20000"/>
+              <a:lumOff val="80000"/>
+            </a:schemeClr>
+          </a:solidFill>
+        </p:spPr>
+        <p:style>
+          <a:lnRef idx="2">
+            <a:schemeClr val="accent1">
+              <a:shade val="50000"/>
+            </a:schemeClr>
+          </a:lnRef>
+          <a:fillRef idx="1">
+            <a:schemeClr val="accent1"/>
+          </a:fillRef>
+          <a:effectRef idx="0">
+            <a:schemeClr val="accent1"/>
+          </a:effectRef>
+          <a:fontRef idx="minor">
+            <a:schemeClr val="lt1"/>
+          </a:fontRef>
+        </p:style>
+        <p:txBody>
+          <a:bodyPr rtlCol="0" anchor="ctr"/>
+          <a:lstStyle/>
+          <a:p>
+            <a:pPr algn="ctr"/>
+            <a:endParaRPr lang="es-ES"/>
+          </a:p>
+        </p:txBody>
+      </p:sp>
+      <p:sp>
+        <p:nvSpPr>
+          <p:cNvPr id="39" name="Rectángulo: esquinas redondeadas 38">
+            <a:extLst>
+              <a:ext uri="{FF2B5EF4-FFF2-40B4-BE49-F238E27FC236}">
+                <a16:creationId xmlns:a16="http://schemas.microsoft.com/office/drawing/2014/main" id="{05DE6922-FDC2-4CC7-8C98-230708364368}"/>
+              </a:ext>
+            </a:extLst>
+          </p:cNvPr>
+          <p:cNvSpPr/>
+          <p:nvPr/>
+        </p:nvSpPr>
+        <p:spPr>
+          <a:xfrm>
+            <a:off x="2203996" y="5083981"/>
+            <a:ext cx="1387007" cy="1419253"/>
+          </a:xfrm>
+          <a:prstGeom prst="roundRect">
+            <a:avLst/>
+          </a:prstGeom>
+          <a:solidFill>
+            <a:schemeClr val="accent4">
+              <a:lumMod val="20000"/>
+              <a:lumOff val="80000"/>
+            </a:schemeClr>
+          </a:solidFill>
+        </p:spPr>
+        <p:style>
+          <a:lnRef idx="2">
+            <a:schemeClr val="accent1">
+              <a:shade val="50000"/>
+            </a:schemeClr>
+          </a:lnRef>
+          <a:fillRef idx="1">
+            <a:schemeClr val="accent1"/>
+          </a:fillRef>
+          <a:effectRef idx="0">
+            <a:schemeClr val="accent1"/>
+          </a:effectRef>
+          <a:fontRef idx="minor">
+            <a:schemeClr val="lt1"/>
+          </a:fontRef>
+        </p:style>
+        <p:txBody>
+          <a:bodyPr rtlCol="0" anchor="ctr"/>
+          <a:lstStyle/>
+          <a:p>
+            <a:pPr algn="ctr"/>
+            <a:endParaRPr lang="es-ES"/>
+          </a:p>
+        </p:txBody>
+      </p:sp>
+      <p:sp>
+        <p:nvSpPr>
+          <p:cNvPr id="38" name="Rectángulo: esquinas redondeadas 37">
+            <a:extLst>
+              <a:ext uri="{FF2B5EF4-FFF2-40B4-BE49-F238E27FC236}">
+                <a16:creationId xmlns:a16="http://schemas.microsoft.com/office/drawing/2014/main" id="{9575CA19-A8D1-4301-94A0-1E0EADD01FF7}"/>
+              </a:ext>
+            </a:extLst>
+          </p:cNvPr>
+          <p:cNvSpPr/>
+          <p:nvPr/>
+        </p:nvSpPr>
+        <p:spPr>
+          <a:xfrm>
+            <a:off x="578932" y="5098279"/>
+            <a:ext cx="1387007" cy="1419253"/>
+          </a:xfrm>
+          <a:prstGeom prst="roundRect">
+            <a:avLst/>
+          </a:prstGeom>
+          <a:solidFill>
+            <a:schemeClr val="accent4">
+              <a:lumMod val="20000"/>
+              <a:lumOff val="80000"/>
+            </a:schemeClr>
+          </a:solidFill>
+        </p:spPr>
+        <p:style>
+          <a:lnRef idx="2">
+            <a:schemeClr val="accent1">
+              <a:shade val="50000"/>
+            </a:schemeClr>
+          </a:lnRef>
+          <a:fillRef idx="1">
+            <a:schemeClr val="accent1"/>
+          </a:fillRef>
+          <a:effectRef idx="0">
+            <a:schemeClr val="accent1"/>
+          </a:effectRef>
+          <a:fontRef idx="minor">
+            <a:schemeClr val="lt1"/>
+          </a:fontRef>
+        </p:style>
+        <p:txBody>
+          <a:bodyPr rtlCol="0" anchor="ctr"/>
+          <a:lstStyle/>
+          <a:p>
+            <a:pPr algn="ctr"/>
+            <a:endParaRPr lang="es-ES"/>
+          </a:p>
+        </p:txBody>
+      </p:sp>
+      <p:sp>
+        <p:nvSpPr>
+          <p:cNvPr id="35" name="Rectángulo: esquinas redondeadas 34">
+            <a:extLst>
+              <a:ext uri="{FF2B5EF4-FFF2-40B4-BE49-F238E27FC236}">
+                <a16:creationId xmlns:a16="http://schemas.microsoft.com/office/drawing/2014/main" id="{0372F5F9-C5DC-42BE-9DC1-4A46A48C8C9C}"/>
+              </a:ext>
+            </a:extLst>
+          </p:cNvPr>
+          <p:cNvSpPr/>
+          <p:nvPr/>
+        </p:nvSpPr>
+        <p:spPr>
+          <a:xfrm>
+            <a:off x="5075950" y="105546"/>
+            <a:ext cx="6860476" cy="2069114"/>
+          </a:xfrm>
+          <a:prstGeom prst="roundRect">
+            <a:avLst/>
+          </a:prstGeom>
+          <a:solidFill>
+            <a:schemeClr val="bg2"/>
+          </a:solidFill>
+          <a:ln w="31750">
+            <a:solidFill>
+              <a:schemeClr val="tx1"/>
+            </a:solidFill>
+          </a:ln>
+        </p:spPr>
+        <p:style>
+          <a:lnRef idx="2">
+            <a:schemeClr val="accent1">
+              <a:shade val="50000"/>
+            </a:schemeClr>
+          </a:lnRef>
+          <a:fillRef idx="1">
+            <a:schemeClr val="accent1"/>
+          </a:fillRef>
+          <a:effectRef idx="0">
+            <a:schemeClr val="accent1"/>
+          </a:effectRef>
+          <a:fontRef idx="minor">
+            <a:schemeClr val="lt1"/>
+          </a:fontRef>
+        </p:style>
+        <p:txBody>
+          <a:bodyPr rtlCol="0" anchor="ctr"/>
+          <a:lstStyle/>
+          <a:p>
+            <a:pPr algn="ctr"/>
+            <a:endParaRPr lang="es-ES" dirty="0"/>
+          </a:p>
+        </p:txBody>
+      </p:sp>
+      <p:sp>
+        <p:nvSpPr>
+          <p:cNvPr id="4" name="Rectángulo: esquinas redondeadas 3">
+            <a:extLst>
+              <a:ext uri="{FF2B5EF4-FFF2-40B4-BE49-F238E27FC236}">
+                <a16:creationId xmlns:a16="http://schemas.microsoft.com/office/drawing/2014/main" id="{E1FE9D93-197E-4757-88FF-5BAA1CD2E7FE}"/>
+              </a:ext>
+            </a:extLst>
+          </p:cNvPr>
+          <p:cNvSpPr/>
+          <p:nvPr/>
+        </p:nvSpPr>
+        <p:spPr>
+          <a:xfrm>
+            <a:off x="1713421" y="3164567"/>
+            <a:ext cx="2162249" cy="1006311"/>
+          </a:xfrm>
+          <a:prstGeom prst="roundRect">
+            <a:avLst/>
+          </a:prstGeom>
+          <a:solidFill>
+            <a:schemeClr val="accent5">
+              <a:lumMod val="20000"/>
+              <a:lumOff val="80000"/>
+            </a:schemeClr>
+          </a:solidFill>
+        </p:spPr>
+        <p:style>
+          <a:lnRef idx="2">
+            <a:schemeClr val="accent1">
+              <a:shade val="50000"/>
+            </a:schemeClr>
+          </a:lnRef>
+          <a:fillRef idx="1">
+            <a:schemeClr val="accent1"/>
+          </a:fillRef>
+          <a:effectRef idx="0">
+            <a:schemeClr val="accent1"/>
+          </a:effectRef>
+          <a:fontRef idx="minor">
+            <a:schemeClr val="lt1"/>
+          </a:fontRef>
+        </p:style>
+        <p:txBody>
+          <a:bodyPr rtlCol="0" anchor="ctr"/>
+          <a:lstStyle/>
+          <a:p>
+            <a:pPr algn="ctr"/>
+            <a:endParaRPr lang="es-ES" dirty="0"/>
+          </a:p>
+        </p:txBody>
+      </p:sp>
+      <p:pic>
+        <p:nvPicPr>
+          <p:cNvPr id="5" name="Picture 2" descr="Resultado de imagen de ovs switch">
+            <a:extLst>
+              <a:ext uri="{FF2B5EF4-FFF2-40B4-BE49-F238E27FC236}">
+                <a16:creationId xmlns:a16="http://schemas.microsoft.com/office/drawing/2014/main" id="{BFB9FF7A-9669-4EA6-902E-75577CD27388}"/>
+              </a:ext>
+            </a:extLst>
+          </p:cNvPr>
+          <p:cNvPicPr>
+            <a:picLocks noChangeAspect="1" noChangeArrowheads="1"/>
+          </p:cNvPicPr>
+          <p:nvPr/>
+        </p:nvPicPr>
+        <p:blipFill>
+          <a:blip r:embed="rId2">
+            <a:extLst>
+              <a:ext uri="{28A0092B-C50C-407E-A947-70E740481C1C}">
+                <a14:useLocalDpi xmlns:a14="http://schemas.microsoft.com/office/drawing/2010/main" val="0"/>
+              </a:ext>
+            </a:extLst>
+          </a:blip>
+          <a:srcRect/>
+          <a:stretch>
+            <a:fillRect/>
+          </a:stretch>
+        </p:blipFill>
+        <p:spPr bwMode="auto">
+          <a:xfrm rot="10800000" flipH="1" flipV="1">
+            <a:off x="2177169" y="3265207"/>
+            <a:ext cx="1234752" cy="805030"/>
+          </a:xfrm>
+          <a:prstGeom prst="rect">
+            <a:avLst/>
+          </a:prstGeom>
+          <a:noFill/>
+          <a:extLst>
+            <a:ext uri="{909E8E84-426E-40DD-AFC4-6F175D3DCCD1}">
+              <a14:hiddenFill xmlns:a14="http://schemas.microsoft.com/office/drawing/2010/main">
+                <a:solidFill>
+                  <a:srgbClr val="FFFFFF"/>
+                </a:solidFill>
+              </a14:hiddenFill>
+            </a:ext>
+          </a:extLst>
+        </p:spPr>
+      </p:pic>
+      <p:sp>
+        <p:nvSpPr>
+          <p:cNvPr id="6" name="Rectángulo: esquinas redondeadas 5">
+            <a:extLst>
+              <a:ext uri="{FF2B5EF4-FFF2-40B4-BE49-F238E27FC236}">
+                <a16:creationId xmlns:a16="http://schemas.microsoft.com/office/drawing/2014/main" id="{080B3CC3-9342-43CB-9288-8CE5A50AD388}"/>
+              </a:ext>
+            </a:extLst>
+          </p:cNvPr>
+          <p:cNvSpPr/>
+          <p:nvPr/>
+        </p:nvSpPr>
+        <p:spPr>
+          <a:xfrm>
+            <a:off x="5249696" y="2762053"/>
+            <a:ext cx="2162249" cy="1006311"/>
+          </a:xfrm>
+          <a:prstGeom prst="roundRect">
+            <a:avLst/>
+          </a:prstGeom>
+          <a:solidFill>
+            <a:schemeClr val="accent5">
+              <a:lumMod val="20000"/>
+              <a:lumOff val="80000"/>
+            </a:schemeClr>
+          </a:solidFill>
+        </p:spPr>
+        <p:style>
+          <a:lnRef idx="2">
+            <a:schemeClr val="accent1">
+              <a:shade val="50000"/>
+            </a:schemeClr>
+          </a:lnRef>
+          <a:fillRef idx="1">
+            <a:schemeClr val="accent1"/>
+          </a:fillRef>
+          <a:effectRef idx="0">
+            <a:schemeClr val="accent1"/>
+          </a:effectRef>
+          <a:fontRef idx="minor">
+            <a:schemeClr val="lt1"/>
+          </a:fontRef>
+        </p:style>
+        <p:txBody>
+          <a:bodyPr rtlCol="0" anchor="ctr"/>
+          <a:lstStyle/>
+          <a:p>
+            <a:pPr algn="ctr"/>
+            <a:endParaRPr lang="es-ES" dirty="0"/>
+          </a:p>
+        </p:txBody>
+      </p:sp>
+      <p:pic>
+        <p:nvPicPr>
+          <p:cNvPr id="7" name="Picture 2" descr="Resultado de imagen de ovs switch">
+            <a:extLst>
+              <a:ext uri="{FF2B5EF4-FFF2-40B4-BE49-F238E27FC236}">
+                <a16:creationId xmlns:a16="http://schemas.microsoft.com/office/drawing/2014/main" id="{44211F7E-85CA-406E-99FD-050D63704793}"/>
+              </a:ext>
+            </a:extLst>
+          </p:cNvPr>
+          <p:cNvPicPr>
+            <a:picLocks noChangeAspect="1" noChangeArrowheads="1"/>
+          </p:cNvPicPr>
+          <p:nvPr/>
+        </p:nvPicPr>
+        <p:blipFill>
+          <a:blip r:embed="rId2">
+            <a:extLst>
+              <a:ext uri="{28A0092B-C50C-407E-A947-70E740481C1C}">
+                <a14:useLocalDpi xmlns:a14="http://schemas.microsoft.com/office/drawing/2010/main" val="0"/>
+              </a:ext>
+            </a:extLst>
+          </a:blip>
+          <a:srcRect/>
+          <a:stretch>
+            <a:fillRect/>
+          </a:stretch>
+        </p:blipFill>
+        <p:spPr bwMode="auto">
+          <a:xfrm rot="10800000" flipH="1" flipV="1">
+            <a:off x="5713444" y="2862693"/>
+            <a:ext cx="1234752" cy="805030"/>
+          </a:xfrm>
+          <a:prstGeom prst="rect">
+            <a:avLst/>
+          </a:prstGeom>
+          <a:noFill/>
+          <a:extLst>
+            <a:ext uri="{909E8E84-426E-40DD-AFC4-6F175D3DCCD1}">
+              <a14:hiddenFill xmlns:a14="http://schemas.microsoft.com/office/drawing/2010/main">
+                <a:solidFill>
+                  <a:srgbClr val="FFFFFF"/>
+                </a:solidFill>
+              </a14:hiddenFill>
+            </a:ext>
+          </a:extLst>
+        </p:spPr>
+      </p:pic>
+      <p:sp>
+        <p:nvSpPr>
+          <p:cNvPr id="8" name="Rectángulo: esquinas redondeadas 7">
+            <a:extLst>
+              <a:ext uri="{FF2B5EF4-FFF2-40B4-BE49-F238E27FC236}">
+                <a16:creationId xmlns:a16="http://schemas.microsoft.com/office/drawing/2014/main" id="{7283A69C-E685-4C9F-AFDD-3428A820EA06}"/>
+              </a:ext>
+            </a:extLst>
+          </p:cNvPr>
+          <p:cNvSpPr/>
+          <p:nvPr/>
+        </p:nvSpPr>
+        <p:spPr>
+          <a:xfrm>
+            <a:off x="8785971" y="3164567"/>
+            <a:ext cx="2162249" cy="1006311"/>
+          </a:xfrm>
+          <a:prstGeom prst="roundRect">
+            <a:avLst/>
+          </a:prstGeom>
+          <a:solidFill>
+            <a:schemeClr val="accent5">
+              <a:lumMod val="20000"/>
+              <a:lumOff val="80000"/>
+            </a:schemeClr>
+          </a:solidFill>
+        </p:spPr>
+        <p:style>
+          <a:lnRef idx="2">
+            <a:schemeClr val="accent1">
+              <a:shade val="50000"/>
+            </a:schemeClr>
+          </a:lnRef>
+          <a:fillRef idx="1">
+            <a:schemeClr val="accent1"/>
+          </a:fillRef>
+          <a:effectRef idx="0">
+            <a:schemeClr val="accent1"/>
+          </a:effectRef>
+          <a:fontRef idx="minor">
+            <a:schemeClr val="lt1"/>
+          </a:fontRef>
+        </p:style>
+        <p:txBody>
+          <a:bodyPr rtlCol="0" anchor="ctr"/>
+          <a:lstStyle/>
+          <a:p>
+            <a:pPr algn="ctr"/>
+            <a:endParaRPr lang="es-ES" dirty="0"/>
+          </a:p>
+        </p:txBody>
+      </p:sp>
+      <p:pic>
+        <p:nvPicPr>
+          <p:cNvPr id="9" name="Picture 2" descr="Resultado de imagen de ovs switch">
+            <a:extLst>
+              <a:ext uri="{FF2B5EF4-FFF2-40B4-BE49-F238E27FC236}">
+                <a16:creationId xmlns:a16="http://schemas.microsoft.com/office/drawing/2014/main" id="{9E7F9653-E597-4586-A001-45FD4D614D9E}"/>
+              </a:ext>
+            </a:extLst>
+          </p:cNvPr>
+          <p:cNvPicPr>
+            <a:picLocks noChangeAspect="1" noChangeArrowheads="1"/>
+          </p:cNvPicPr>
+          <p:nvPr/>
+        </p:nvPicPr>
+        <p:blipFill>
+          <a:blip r:embed="rId2">
+            <a:extLst>
+              <a:ext uri="{28A0092B-C50C-407E-A947-70E740481C1C}">
+                <a14:useLocalDpi xmlns:a14="http://schemas.microsoft.com/office/drawing/2010/main" val="0"/>
+              </a:ext>
+            </a:extLst>
+          </a:blip>
+          <a:srcRect/>
+          <a:stretch>
+            <a:fillRect/>
+          </a:stretch>
+        </p:blipFill>
+        <p:spPr bwMode="auto">
+          <a:xfrm rot="10800000" flipH="1" flipV="1">
+            <a:off x="9249719" y="3265207"/>
+            <a:ext cx="1234752" cy="805030"/>
+          </a:xfrm>
+          <a:prstGeom prst="rect">
+            <a:avLst/>
+          </a:prstGeom>
+          <a:noFill/>
+          <a:extLst>
+            <a:ext uri="{909E8E84-426E-40DD-AFC4-6F175D3DCCD1}">
+              <a14:hiddenFill xmlns:a14="http://schemas.microsoft.com/office/drawing/2010/main">
+                <a:solidFill>
+                  <a:srgbClr val="FFFFFF"/>
+                </a:solidFill>
+              </a14:hiddenFill>
+            </a:ext>
+          </a:extLst>
+        </p:spPr>
+      </p:pic>
+      <p:cxnSp>
+        <p:nvCxnSpPr>
+          <p:cNvPr id="10" name="Conector recto de flecha 9">
+            <a:extLst>
+              <a:ext uri="{FF2B5EF4-FFF2-40B4-BE49-F238E27FC236}">
+                <a16:creationId xmlns:a16="http://schemas.microsoft.com/office/drawing/2014/main" id="{B5E78809-EFB2-473B-9277-3B1498DA664F}"/>
+              </a:ext>
+            </a:extLst>
+          </p:cNvPr>
+          <p:cNvCxnSpPr>
+            <a:stCxn id="4" idx="3"/>
+            <a:endCxn id="6" idx="1"/>
+          </p:cNvCxnSpPr>
+          <p:nvPr/>
+        </p:nvCxnSpPr>
+        <p:spPr>
+          <a:xfrm flipV="1">
+            <a:off x="3875670" y="3265209"/>
+            <a:ext cx="1374026" cy="402514"/>
+          </a:xfrm>
+          <a:prstGeom prst="straightConnector1">
+            <a:avLst/>
+          </a:prstGeom>
+          <a:ln w="31750">
+            <a:headEnd type="triangle"/>
+            <a:tailEnd type="triangle"/>
+          </a:ln>
+        </p:spPr>
+        <p:style>
+          <a:lnRef idx="1">
+            <a:schemeClr val="accent1"/>
+          </a:lnRef>
+          <a:fillRef idx="0">
+            <a:schemeClr val="accent1"/>
+          </a:fillRef>
+          <a:effectRef idx="0">
+            <a:schemeClr val="accent1"/>
+          </a:effectRef>
+          <a:fontRef idx="minor">
+            <a:schemeClr val="tx1"/>
+          </a:fontRef>
+        </p:style>
+      </p:cxnSp>
+      <p:cxnSp>
+        <p:nvCxnSpPr>
+          <p:cNvPr id="11" name="Conector recto de flecha 10">
+            <a:extLst>
+              <a:ext uri="{FF2B5EF4-FFF2-40B4-BE49-F238E27FC236}">
+                <a16:creationId xmlns:a16="http://schemas.microsoft.com/office/drawing/2014/main" id="{4ADB1792-E9EF-424B-8B4C-290C7A16A186}"/>
+              </a:ext>
+            </a:extLst>
+          </p:cNvPr>
+          <p:cNvCxnSpPr>
+            <a:stCxn id="6" idx="3"/>
+            <a:endCxn id="8" idx="1"/>
+          </p:cNvCxnSpPr>
+          <p:nvPr/>
+        </p:nvCxnSpPr>
+        <p:spPr>
+          <a:xfrm>
+            <a:off x="7411945" y="3265209"/>
+            <a:ext cx="1374026" cy="402514"/>
+          </a:xfrm>
+          <a:prstGeom prst="straightConnector1">
+            <a:avLst/>
+          </a:prstGeom>
+          <a:ln w="31750">
+            <a:headEnd type="triangle"/>
+            <a:tailEnd type="triangle"/>
+          </a:ln>
+        </p:spPr>
+        <p:style>
+          <a:lnRef idx="1">
+            <a:schemeClr val="accent1"/>
+          </a:lnRef>
+          <a:fillRef idx="0">
+            <a:schemeClr val="accent1"/>
+          </a:fillRef>
+          <a:effectRef idx="0">
+            <a:schemeClr val="accent1"/>
+          </a:effectRef>
+          <a:fontRef idx="minor">
+            <a:schemeClr val="tx1"/>
+          </a:fontRef>
+        </p:style>
+      </p:cxnSp>
+      <p:pic>
+        <p:nvPicPr>
+          <p:cNvPr id="12" name="Picture 4" descr="Ryu Logo">
+            <a:extLst>
+              <a:ext uri="{FF2B5EF4-FFF2-40B4-BE49-F238E27FC236}">
+                <a16:creationId xmlns:a16="http://schemas.microsoft.com/office/drawing/2014/main" id="{6963BAA8-D2B1-4366-840C-5FD6DFA1B8B9}"/>
+              </a:ext>
+            </a:extLst>
+          </p:cNvPr>
+          <p:cNvPicPr>
+            <a:picLocks noChangeAspect="1" noChangeArrowheads="1"/>
+          </p:cNvPicPr>
+          <p:nvPr/>
+        </p:nvPicPr>
+        <p:blipFill>
+          <a:blip r:embed="rId3">
+            <a:extLst>
+              <a:ext uri="{28A0092B-C50C-407E-A947-70E740481C1C}">
+                <a14:useLocalDpi xmlns:a14="http://schemas.microsoft.com/office/drawing/2010/main" val="0"/>
+              </a:ext>
+            </a:extLst>
+          </a:blip>
+          <a:srcRect/>
+          <a:stretch>
+            <a:fillRect/>
+          </a:stretch>
+        </p:blipFill>
+        <p:spPr bwMode="auto">
+          <a:xfrm>
+            <a:off x="7640809" y="624787"/>
+            <a:ext cx="1835034" cy="1427794"/>
+          </a:xfrm>
+          <a:prstGeom prst="rect">
+            <a:avLst/>
+          </a:prstGeom>
+          <a:noFill/>
+          <a:extLst>
+            <a:ext uri="{909E8E84-426E-40DD-AFC4-6F175D3DCCD1}">
+              <a14:hiddenFill xmlns:a14="http://schemas.microsoft.com/office/drawing/2010/main">
+                <a:solidFill>
+                  <a:srgbClr val="FFFFFF"/>
+                </a:solidFill>
+              </a14:hiddenFill>
+            </a:ext>
+          </a:extLst>
+        </p:spPr>
+      </p:pic>
+      <p:sp>
+        <p:nvSpPr>
+          <p:cNvPr id="16" name="CuadroTexto 15">
+            <a:extLst>
+              <a:ext uri="{FF2B5EF4-FFF2-40B4-BE49-F238E27FC236}">
+                <a16:creationId xmlns:a16="http://schemas.microsoft.com/office/drawing/2014/main" id="{92F833D8-D3F4-4C68-A2DE-DB6EFE588F8B}"/>
+              </a:ext>
+            </a:extLst>
+          </p:cNvPr>
+          <p:cNvSpPr txBox="1"/>
+          <p:nvPr/>
+        </p:nvSpPr>
+        <p:spPr>
+          <a:xfrm>
+            <a:off x="6631439" y="105546"/>
+            <a:ext cx="4316781" cy="461665"/>
+          </a:xfrm>
+          <a:prstGeom prst="rect">
+            <a:avLst/>
+          </a:prstGeom>
+          <a:noFill/>
+        </p:spPr>
+        <p:txBody>
+          <a:bodyPr wrap="square" rtlCol="0">
+            <a:spAutoFit/>
+          </a:bodyPr>
+          <a:lstStyle/>
+          <a:p>
+            <a:r>
+              <a:rPr lang="es-ES" sz="2400" b="1" dirty="0" err="1">
+                <a:latin typeface="Consolas" panose="020B0609020204030204" pitchFamily="49" charset="0"/>
+              </a:rPr>
+              <a:t>Controller</a:t>
+            </a:r>
+            <a:r>
+              <a:rPr lang="es-ES" sz="2400" b="1" dirty="0">
+                <a:latin typeface="Consolas" panose="020B0609020204030204" pitchFamily="49" charset="0"/>
+              </a:rPr>
+              <a:t> (10.0.123.3)</a:t>
+            </a:r>
+            <a:endParaRPr lang="es-ES" b="1" dirty="0">
+              <a:latin typeface="Consolas" panose="020B0609020204030204" pitchFamily="49" charset="0"/>
+            </a:endParaRPr>
+          </a:p>
+        </p:txBody>
+      </p:sp>
+      <p:pic>
+        <p:nvPicPr>
+          <p:cNvPr id="17" name="Picture 6" descr="Imagen relacionada">
+            <a:extLst>
+              <a:ext uri="{FF2B5EF4-FFF2-40B4-BE49-F238E27FC236}">
+                <a16:creationId xmlns:a16="http://schemas.microsoft.com/office/drawing/2014/main" id="{B998F0B8-0995-493D-AFBB-57EC7F938875}"/>
+              </a:ext>
+            </a:extLst>
+          </p:cNvPr>
+          <p:cNvPicPr>
+            <a:picLocks noChangeAspect="1" noChangeArrowheads="1"/>
+          </p:cNvPicPr>
+          <p:nvPr/>
+        </p:nvPicPr>
+        <p:blipFill>
+          <a:blip r:embed="rId4">
+            <a:extLst>
+              <a:ext uri="{28A0092B-C50C-407E-A947-70E740481C1C}">
+                <a14:useLocalDpi xmlns:a14="http://schemas.microsoft.com/office/drawing/2010/main" val="0"/>
+              </a:ext>
+            </a:extLst>
+          </a:blip>
+          <a:srcRect/>
+          <a:stretch>
+            <a:fillRect/>
+          </a:stretch>
+        </p:blipFill>
+        <p:spPr bwMode="auto">
+          <a:xfrm>
+            <a:off x="769838" y="5487190"/>
+            <a:ext cx="943583" cy="943583"/>
+          </a:xfrm>
+          <a:prstGeom prst="rect">
+            <a:avLst/>
+          </a:prstGeom>
+          <a:noFill/>
+          <a:extLst>
+            <a:ext uri="{909E8E84-426E-40DD-AFC4-6F175D3DCCD1}">
+              <a14:hiddenFill xmlns:a14="http://schemas.microsoft.com/office/drawing/2010/main">
+                <a:solidFill>
+                  <a:srgbClr val="FFFFFF"/>
+                </a:solidFill>
+              </a14:hiddenFill>
+            </a:ext>
+          </a:extLst>
+        </p:spPr>
+      </p:pic>
+      <p:sp>
+        <p:nvSpPr>
+          <p:cNvPr id="18" name="CuadroTexto 17">
+            <a:extLst>
+              <a:ext uri="{FF2B5EF4-FFF2-40B4-BE49-F238E27FC236}">
+                <a16:creationId xmlns:a16="http://schemas.microsoft.com/office/drawing/2014/main" id="{0BC6AC03-F3E3-4421-80F7-3128584B31DB}"/>
+              </a:ext>
+            </a:extLst>
+          </p:cNvPr>
+          <p:cNvSpPr txBox="1"/>
+          <p:nvPr/>
+        </p:nvSpPr>
+        <p:spPr>
+          <a:xfrm>
+            <a:off x="940071" y="5599057"/>
+            <a:ext cx="603115" cy="369651"/>
+          </a:xfrm>
+          <a:prstGeom prst="rect">
+            <a:avLst/>
+          </a:prstGeom>
+          <a:noFill/>
+        </p:spPr>
+        <p:txBody>
+          <a:bodyPr wrap="square" rtlCol="0">
+            <a:spAutoFit/>
+          </a:bodyPr>
+          <a:lstStyle/>
+          <a:p>
+            <a:pPr algn="ctr"/>
+            <a:r>
+              <a:rPr lang="es-ES" dirty="0">
+                <a:latin typeface="Consolas" panose="020B0609020204030204" pitchFamily="49" charset="0"/>
+                <a:cs typeface="Arabic Typesetting" panose="020B0604020202020204" pitchFamily="66" charset="-78"/>
+              </a:rPr>
+              <a:t>h1</a:t>
+            </a:r>
+          </a:p>
+        </p:txBody>
+      </p:sp>
+      <p:pic>
+        <p:nvPicPr>
+          <p:cNvPr id="19" name="Picture 6" descr="Imagen relacionada">
+            <a:extLst>
+              <a:ext uri="{FF2B5EF4-FFF2-40B4-BE49-F238E27FC236}">
+                <a16:creationId xmlns:a16="http://schemas.microsoft.com/office/drawing/2014/main" id="{D5F3FF47-D774-46A6-94F0-677780FDB836}"/>
+              </a:ext>
+            </a:extLst>
+          </p:cNvPr>
+          <p:cNvPicPr>
+            <a:picLocks noChangeAspect="1" noChangeArrowheads="1"/>
+          </p:cNvPicPr>
+          <p:nvPr/>
+        </p:nvPicPr>
+        <p:blipFill>
+          <a:blip r:embed="rId4">
+            <a:extLst>
+              <a:ext uri="{28A0092B-C50C-407E-A947-70E740481C1C}">
+                <a14:useLocalDpi xmlns:a14="http://schemas.microsoft.com/office/drawing/2010/main" val="0"/>
+              </a:ext>
+            </a:extLst>
+          </a:blip>
+          <a:srcRect/>
+          <a:stretch>
+            <a:fillRect/>
+          </a:stretch>
+        </p:blipFill>
+        <p:spPr bwMode="auto">
+          <a:xfrm>
+            <a:off x="2322754" y="5487190"/>
+            <a:ext cx="943583" cy="943583"/>
+          </a:xfrm>
+          <a:prstGeom prst="rect">
+            <a:avLst/>
+          </a:prstGeom>
+          <a:noFill/>
+          <a:extLst>
+            <a:ext uri="{909E8E84-426E-40DD-AFC4-6F175D3DCCD1}">
+              <a14:hiddenFill xmlns:a14="http://schemas.microsoft.com/office/drawing/2010/main">
+                <a:solidFill>
+                  <a:srgbClr val="FFFFFF"/>
+                </a:solidFill>
+              </a14:hiddenFill>
+            </a:ext>
+          </a:extLst>
+        </p:spPr>
+      </p:pic>
+      <p:sp>
+        <p:nvSpPr>
+          <p:cNvPr id="20" name="CuadroTexto 19">
+            <a:extLst>
+              <a:ext uri="{FF2B5EF4-FFF2-40B4-BE49-F238E27FC236}">
+                <a16:creationId xmlns:a16="http://schemas.microsoft.com/office/drawing/2014/main" id="{555BC39F-E8C5-40C4-AB4E-1831F33AB9AF}"/>
+              </a:ext>
+            </a:extLst>
+          </p:cNvPr>
+          <p:cNvSpPr txBox="1"/>
+          <p:nvPr/>
+        </p:nvSpPr>
+        <p:spPr>
+          <a:xfrm>
+            <a:off x="2492987" y="5599057"/>
+            <a:ext cx="603115" cy="369651"/>
+          </a:xfrm>
+          <a:prstGeom prst="rect">
+            <a:avLst/>
+          </a:prstGeom>
+          <a:noFill/>
+        </p:spPr>
+        <p:txBody>
+          <a:bodyPr wrap="square" rtlCol="0">
+            <a:spAutoFit/>
+          </a:bodyPr>
+          <a:lstStyle/>
+          <a:p>
+            <a:pPr algn="ctr"/>
+            <a:r>
+              <a:rPr lang="es-ES" dirty="0">
+                <a:latin typeface="Consolas" panose="020B0609020204030204" pitchFamily="49" charset="0"/>
+                <a:cs typeface="Arabic Typesetting" panose="020B0604020202020204" pitchFamily="66" charset="-78"/>
+              </a:rPr>
+              <a:t>h2</a:t>
+            </a:r>
+          </a:p>
+        </p:txBody>
+      </p:sp>
+      <p:pic>
+        <p:nvPicPr>
+          <p:cNvPr id="21" name="Picture 6" descr="Imagen relacionada">
+            <a:extLst>
+              <a:ext uri="{FF2B5EF4-FFF2-40B4-BE49-F238E27FC236}">
+                <a16:creationId xmlns:a16="http://schemas.microsoft.com/office/drawing/2014/main" id="{6CC139EF-33F8-4CDE-AD1B-47748F8D66B1}"/>
+              </a:ext>
+            </a:extLst>
+          </p:cNvPr>
+          <p:cNvPicPr>
+            <a:picLocks noChangeAspect="1" noChangeArrowheads="1"/>
+          </p:cNvPicPr>
+          <p:nvPr/>
+        </p:nvPicPr>
+        <p:blipFill>
+          <a:blip r:embed="rId4">
+            <a:extLst>
+              <a:ext uri="{28A0092B-C50C-407E-A947-70E740481C1C}">
+                <a14:useLocalDpi xmlns:a14="http://schemas.microsoft.com/office/drawing/2010/main" val="0"/>
+              </a:ext>
+            </a:extLst>
+          </a:blip>
+          <a:srcRect/>
+          <a:stretch>
+            <a:fillRect/>
+          </a:stretch>
+        </p:blipFill>
+        <p:spPr bwMode="auto">
+          <a:xfrm>
+            <a:off x="5075949" y="5487190"/>
+            <a:ext cx="943583" cy="943583"/>
+          </a:xfrm>
+          <a:prstGeom prst="rect">
+            <a:avLst/>
+          </a:prstGeom>
+          <a:noFill/>
+          <a:extLst>
+            <a:ext uri="{909E8E84-426E-40DD-AFC4-6F175D3DCCD1}">
+              <a14:hiddenFill xmlns:a14="http://schemas.microsoft.com/office/drawing/2010/main">
+                <a:solidFill>
+                  <a:srgbClr val="FFFFFF"/>
+                </a:solidFill>
+              </a14:hiddenFill>
+            </a:ext>
+          </a:extLst>
+        </p:spPr>
+      </p:pic>
+      <p:sp>
+        <p:nvSpPr>
+          <p:cNvPr id="22" name="CuadroTexto 21">
+            <a:extLst>
+              <a:ext uri="{FF2B5EF4-FFF2-40B4-BE49-F238E27FC236}">
+                <a16:creationId xmlns:a16="http://schemas.microsoft.com/office/drawing/2014/main" id="{C3C2614B-089D-42C0-BB1C-E99A501E0DCF}"/>
+              </a:ext>
+            </a:extLst>
+          </p:cNvPr>
+          <p:cNvSpPr txBox="1"/>
+          <p:nvPr/>
+        </p:nvSpPr>
+        <p:spPr>
+          <a:xfrm>
+            <a:off x="5246182" y="5599057"/>
+            <a:ext cx="603115" cy="369651"/>
+          </a:xfrm>
+          <a:prstGeom prst="rect">
+            <a:avLst/>
+          </a:prstGeom>
+          <a:noFill/>
+        </p:spPr>
+        <p:txBody>
+          <a:bodyPr wrap="square" rtlCol="0">
+            <a:spAutoFit/>
+          </a:bodyPr>
+          <a:lstStyle/>
+          <a:p>
+            <a:pPr algn="ctr"/>
+            <a:r>
+              <a:rPr lang="es-ES" dirty="0">
+                <a:latin typeface="Consolas" panose="020B0609020204030204" pitchFamily="49" charset="0"/>
+                <a:cs typeface="Arabic Typesetting" panose="020B0604020202020204" pitchFamily="66" charset="-78"/>
+              </a:rPr>
+              <a:t>h3</a:t>
+            </a:r>
+          </a:p>
+        </p:txBody>
+      </p:sp>
+      <p:pic>
+        <p:nvPicPr>
+          <p:cNvPr id="23" name="Picture 6" descr="Imagen relacionada">
+            <a:extLst>
+              <a:ext uri="{FF2B5EF4-FFF2-40B4-BE49-F238E27FC236}">
+                <a16:creationId xmlns:a16="http://schemas.microsoft.com/office/drawing/2014/main" id="{FC6FC7AD-D582-49CD-8E78-68D765F40681}"/>
+              </a:ext>
+            </a:extLst>
+          </p:cNvPr>
+          <p:cNvPicPr>
+            <a:picLocks noChangeAspect="1" noChangeArrowheads="1"/>
+          </p:cNvPicPr>
+          <p:nvPr/>
+        </p:nvPicPr>
+        <p:blipFill>
+          <a:blip r:embed="rId4">
+            <a:extLst>
+              <a:ext uri="{28A0092B-C50C-407E-A947-70E740481C1C}">
+                <a14:useLocalDpi xmlns:a14="http://schemas.microsoft.com/office/drawing/2010/main" val="0"/>
+              </a:ext>
+            </a:extLst>
+          </a:blip>
+          <a:srcRect/>
+          <a:stretch>
+            <a:fillRect/>
+          </a:stretch>
+        </p:blipFill>
+        <p:spPr bwMode="auto">
+          <a:xfrm>
+            <a:off x="6697226" y="5487190"/>
+            <a:ext cx="943583" cy="943583"/>
+          </a:xfrm>
+          <a:prstGeom prst="rect">
+            <a:avLst/>
+          </a:prstGeom>
+          <a:noFill/>
+          <a:extLst>
+            <a:ext uri="{909E8E84-426E-40DD-AFC4-6F175D3DCCD1}">
+              <a14:hiddenFill xmlns:a14="http://schemas.microsoft.com/office/drawing/2010/main">
+                <a:solidFill>
+                  <a:srgbClr val="FFFFFF"/>
+                </a:solidFill>
+              </a14:hiddenFill>
+            </a:ext>
+          </a:extLst>
+        </p:spPr>
+      </p:pic>
+      <p:sp>
+        <p:nvSpPr>
+          <p:cNvPr id="24" name="CuadroTexto 23">
+            <a:extLst>
+              <a:ext uri="{FF2B5EF4-FFF2-40B4-BE49-F238E27FC236}">
+                <a16:creationId xmlns:a16="http://schemas.microsoft.com/office/drawing/2014/main" id="{268F2E51-322D-4B19-8799-29787F67369C}"/>
+              </a:ext>
+            </a:extLst>
+          </p:cNvPr>
+          <p:cNvSpPr txBox="1"/>
+          <p:nvPr/>
+        </p:nvSpPr>
+        <p:spPr>
+          <a:xfrm>
+            <a:off x="6867459" y="5599057"/>
+            <a:ext cx="603115" cy="369651"/>
+          </a:xfrm>
+          <a:prstGeom prst="rect">
+            <a:avLst/>
+          </a:prstGeom>
+          <a:noFill/>
+        </p:spPr>
+        <p:txBody>
+          <a:bodyPr wrap="square" rtlCol="0">
+            <a:spAutoFit/>
+          </a:bodyPr>
+          <a:lstStyle/>
+          <a:p>
+            <a:pPr algn="ctr"/>
+            <a:r>
+              <a:rPr lang="es-ES" dirty="0">
+                <a:latin typeface="Consolas" panose="020B0609020204030204" pitchFamily="49" charset="0"/>
+                <a:cs typeface="Arabic Typesetting" panose="020B0604020202020204" pitchFamily="66" charset="-78"/>
+              </a:rPr>
+              <a:t>h4</a:t>
+            </a:r>
+          </a:p>
+        </p:txBody>
+      </p:sp>
+      <p:pic>
+        <p:nvPicPr>
+          <p:cNvPr id="25" name="Picture 6" descr="Imagen relacionada">
+            <a:extLst>
+              <a:ext uri="{FF2B5EF4-FFF2-40B4-BE49-F238E27FC236}">
+                <a16:creationId xmlns:a16="http://schemas.microsoft.com/office/drawing/2014/main" id="{18E43B7E-15CF-42FF-92F6-868FCA907A21}"/>
+              </a:ext>
+            </a:extLst>
+          </p:cNvPr>
+          <p:cNvPicPr>
+            <a:picLocks noChangeAspect="1" noChangeArrowheads="1"/>
+          </p:cNvPicPr>
+          <p:nvPr/>
+        </p:nvPicPr>
+        <p:blipFill>
+          <a:blip r:embed="rId4">
+            <a:extLst>
+              <a:ext uri="{28A0092B-C50C-407E-A947-70E740481C1C}">
+                <a14:useLocalDpi xmlns:a14="http://schemas.microsoft.com/office/drawing/2010/main" val="0"/>
+              </a:ext>
+            </a:extLst>
+          </a:blip>
+          <a:srcRect/>
+          <a:stretch>
+            <a:fillRect/>
+          </a:stretch>
+        </p:blipFill>
+        <p:spPr bwMode="auto">
+          <a:xfrm>
+            <a:off x="8923513" y="5487190"/>
+            <a:ext cx="943583" cy="943583"/>
+          </a:xfrm>
+          <a:prstGeom prst="rect">
+            <a:avLst/>
+          </a:prstGeom>
+          <a:noFill/>
+          <a:extLst>
+            <a:ext uri="{909E8E84-426E-40DD-AFC4-6F175D3DCCD1}">
+              <a14:hiddenFill xmlns:a14="http://schemas.microsoft.com/office/drawing/2010/main">
+                <a:solidFill>
+                  <a:srgbClr val="FFFFFF"/>
+                </a:solidFill>
+              </a14:hiddenFill>
+            </a:ext>
+          </a:extLst>
+        </p:spPr>
+      </p:pic>
+      <p:sp>
+        <p:nvSpPr>
+          <p:cNvPr id="26" name="CuadroTexto 25">
+            <a:extLst>
+              <a:ext uri="{FF2B5EF4-FFF2-40B4-BE49-F238E27FC236}">
+                <a16:creationId xmlns:a16="http://schemas.microsoft.com/office/drawing/2014/main" id="{1EB7021F-BBB5-4E32-80A7-D257F5306806}"/>
+              </a:ext>
+            </a:extLst>
+          </p:cNvPr>
+          <p:cNvSpPr txBox="1"/>
+          <p:nvPr/>
+        </p:nvSpPr>
+        <p:spPr>
+          <a:xfrm>
+            <a:off x="9093746" y="5599057"/>
+            <a:ext cx="603115" cy="369651"/>
+          </a:xfrm>
+          <a:prstGeom prst="rect">
+            <a:avLst/>
+          </a:prstGeom>
+          <a:noFill/>
+        </p:spPr>
+        <p:txBody>
+          <a:bodyPr wrap="square" rtlCol="0">
+            <a:spAutoFit/>
+          </a:bodyPr>
+          <a:lstStyle/>
+          <a:p>
+            <a:pPr algn="ctr"/>
+            <a:r>
+              <a:rPr lang="es-ES" dirty="0">
+                <a:latin typeface="Consolas" panose="020B0609020204030204" pitchFamily="49" charset="0"/>
+                <a:cs typeface="Arabic Typesetting" panose="020B0604020202020204" pitchFamily="66" charset="-78"/>
+              </a:rPr>
+              <a:t>h5</a:t>
+            </a:r>
+          </a:p>
+        </p:txBody>
+      </p:sp>
+      <p:pic>
+        <p:nvPicPr>
+          <p:cNvPr id="27" name="Picture 6" descr="Imagen relacionada">
+            <a:extLst>
+              <a:ext uri="{FF2B5EF4-FFF2-40B4-BE49-F238E27FC236}">
+                <a16:creationId xmlns:a16="http://schemas.microsoft.com/office/drawing/2014/main" id="{7FC64DA8-F441-4ED4-8849-933AFCEE0CA4}"/>
+              </a:ext>
+            </a:extLst>
+          </p:cNvPr>
+          <p:cNvPicPr>
+            <a:picLocks noChangeAspect="1" noChangeArrowheads="1"/>
+          </p:cNvPicPr>
+          <p:nvPr/>
+        </p:nvPicPr>
+        <p:blipFill>
+          <a:blip r:embed="rId4">
+            <a:extLst>
+              <a:ext uri="{28A0092B-C50C-407E-A947-70E740481C1C}">
+                <a14:useLocalDpi xmlns:a14="http://schemas.microsoft.com/office/drawing/2010/main" val="0"/>
+              </a:ext>
+            </a:extLst>
+          </a:blip>
+          <a:srcRect/>
+          <a:stretch>
+            <a:fillRect/>
+          </a:stretch>
+        </p:blipFill>
+        <p:spPr bwMode="auto">
+          <a:xfrm>
+            <a:off x="10554518" y="5496916"/>
+            <a:ext cx="943583" cy="943583"/>
+          </a:xfrm>
+          <a:prstGeom prst="rect">
+            <a:avLst/>
+          </a:prstGeom>
+          <a:noFill/>
+          <a:extLst>
+            <a:ext uri="{909E8E84-426E-40DD-AFC4-6F175D3DCCD1}">
+              <a14:hiddenFill xmlns:a14="http://schemas.microsoft.com/office/drawing/2010/main">
+                <a:solidFill>
+                  <a:srgbClr val="FFFFFF"/>
+                </a:solidFill>
+              </a14:hiddenFill>
+            </a:ext>
+          </a:extLst>
+        </p:spPr>
+      </p:pic>
+      <p:sp>
+        <p:nvSpPr>
+          <p:cNvPr id="28" name="CuadroTexto 27">
+            <a:extLst>
+              <a:ext uri="{FF2B5EF4-FFF2-40B4-BE49-F238E27FC236}">
+                <a16:creationId xmlns:a16="http://schemas.microsoft.com/office/drawing/2014/main" id="{C9E31C36-7C40-4043-B111-0CF565C9EBE4}"/>
+              </a:ext>
+            </a:extLst>
+          </p:cNvPr>
+          <p:cNvSpPr txBox="1"/>
+          <p:nvPr/>
+        </p:nvSpPr>
+        <p:spPr>
+          <a:xfrm>
+            <a:off x="10724751" y="5608783"/>
+            <a:ext cx="603115" cy="369651"/>
+          </a:xfrm>
+          <a:prstGeom prst="rect">
+            <a:avLst/>
+          </a:prstGeom>
+          <a:noFill/>
+        </p:spPr>
+        <p:txBody>
+          <a:bodyPr wrap="square" rtlCol="0">
+            <a:spAutoFit/>
+          </a:bodyPr>
+          <a:lstStyle/>
+          <a:p>
+            <a:pPr algn="ctr"/>
+            <a:r>
+              <a:rPr lang="es-ES" dirty="0">
+                <a:latin typeface="Consolas" panose="020B0609020204030204" pitchFamily="49" charset="0"/>
+                <a:cs typeface="Arabic Typesetting" panose="020B0604020202020204" pitchFamily="66" charset="-78"/>
+              </a:rPr>
+              <a:t>h6</a:t>
+            </a:r>
+          </a:p>
+        </p:txBody>
+      </p:sp>
+      <p:cxnSp>
+        <p:nvCxnSpPr>
+          <p:cNvPr id="29" name="Conector recto de flecha 28">
+            <a:extLst>
+              <a:ext uri="{FF2B5EF4-FFF2-40B4-BE49-F238E27FC236}">
+                <a16:creationId xmlns:a16="http://schemas.microsoft.com/office/drawing/2014/main" id="{F04DC6A1-1810-43E9-A030-D69930F2D5D8}"/>
+              </a:ext>
+            </a:extLst>
+          </p:cNvPr>
+          <p:cNvCxnSpPr>
+            <a:cxnSpLocks/>
+            <a:stCxn id="17" idx="0"/>
+          </p:cNvCxnSpPr>
+          <p:nvPr/>
+        </p:nvCxnSpPr>
+        <p:spPr>
+          <a:xfrm flipV="1">
+            <a:off x="1241630" y="4182105"/>
+            <a:ext cx="1251357" cy="1305085"/>
+          </a:xfrm>
+          <a:prstGeom prst="straightConnector1">
+            <a:avLst/>
+          </a:prstGeom>
+          <a:ln w="31750">
+            <a:headEnd type="triangle"/>
+            <a:tailEnd type="triangle"/>
+          </a:ln>
+        </p:spPr>
+        <p:style>
+          <a:lnRef idx="1">
+            <a:schemeClr val="accent1"/>
+          </a:lnRef>
+          <a:fillRef idx="0">
+            <a:schemeClr val="accent1"/>
+          </a:fillRef>
+          <a:effectRef idx="0">
+            <a:schemeClr val="accent1"/>
+          </a:effectRef>
+          <a:fontRef idx="minor">
+            <a:schemeClr val="tx1"/>
+          </a:fontRef>
+        </p:style>
+      </p:cxnSp>
+      <p:cxnSp>
+        <p:nvCxnSpPr>
+          <p:cNvPr id="30" name="Conector recto de flecha 29">
+            <a:extLst>
+              <a:ext uri="{FF2B5EF4-FFF2-40B4-BE49-F238E27FC236}">
+                <a16:creationId xmlns:a16="http://schemas.microsoft.com/office/drawing/2014/main" id="{DBD1DB27-70AB-4E42-A0AF-160668C97DD6}"/>
+              </a:ext>
+            </a:extLst>
+          </p:cNvPr>
+          <p:cNvCxnSpPr>
+            <a:cxnSpLocks/>
+            <a:stCxn id="19" idx="0"/>
+            <a:endCxn id="4" idx="2"/>
+          </p:cNvCxnSpPr>
+          <p:nvPr/>
+        </p:nvCxnSpPr>
+        <p:spPr>
+          <a:xfrm flipV="1">
+            <a:off x="2794546" y="4170878"/>
+            <a:ext cx="0" cy="1316312"/>
+          </a:xfrm>
+          <a:prstGeom prst="straightConnector1">
+            <a:avLst/>
+          </a:prstGeom>
+          <a:ln w="31750">
+            <a:headEnd type="triangle"/>
+            <a:tailEnd type="triangle"/>
+          </a:ln>
+        </p:spPr>
+        <p:style>
+          <a:lnRef idx="1">
+            <a:schemeClr val="accent1"/>
+          </a:lnRef>
+          <a:fillRef idx="0">
+            <a:schemeClr val="accent1"/>
+          </a:fillRef>
+          <a:effectRef idx="0">
+            <a:schemeClr val="accent1"/>
+          </a:effectRef>
+          <a:fontRef idx="minor">
+            <a:schemeClr val="tx1"/>
+          </a:fontRef>
+        </p:style>
+      </p:cxnSp>
+      <p:cxnSp>
+        <p:nvCxnSpPr>
+          <p:cNvPr id="31" name="Conector recto de flecha 30">
+            <a:extLst>
+              <a:ext uri="{FF2B5EF4-FFF2-40B4-BE49-F238E27FC236}">
+                <a16:creationId xmlns:a16="http://schemas.microsoft.com/office/drawing/2014/main" id="{6D18AD65-889E-40E9-BE30-2D2D9C803A63}"/>
+              </a:ext>
+            </a:extLst>
+          </p:cNvPr>
+          <p:cNvCxnSpPr>
+            <a:cxnSpLocks/>
+            <a:stCxn id="21" idx="0"/>
+          </p:cNvCxnSpPr>
+          <p:nvPr/>
+        </p:nvCxnSpPr>
+        <p:spPr>
+          <a:xfrm flipV="1">
+            <a:off x="5547741" y="3779590"/>
+            <a:ext cx="622436" cy="1707600"/>
+          </a:xfrm>
+          <a:prstGeom prst="straightConnector1">
+            <a:avLst/>
+          </a:prstGeom>
+          <a:ln w="31750">
+            <a:headEnd type="triangle"/>
+            <a:tailEnd type="triangle"/>
+          </a:ln>
+        </p:spPr>
+        <p:style>
+          <a:lnRef idx="1">
+            <a:schemeClr val="accent1"/>
+          </a:lnRef>
+          <a:fillRef idx="0">
+            <a:schemeClr val="accent1"/>
+          </a:fillRef>
+          <a:effectRef idx="0">
+            <a:schemeClr val="accent1"/>
+          </a:effectRef>
+          <a:fontRef idx="minor">
+            <a:schemeClr val="tx1"/>
+          </a:fontRef>
+        </p:style>
+      </p:cxnSp>
+      <p:cxnSp>
+        <p:nvCxnSpPr>
+          <p:cNvPr id="32" name="Conector recto de flecha 31">
+            <a:extLst>
+              <a:ext uri="{FF2B5EF4-FFF2-40B4-BE49-F238E27FC236}">
+                <a16:creationId xmlns:a16="http://schemas.microsoft.com/office/drawing/2014/main" id="{03FF3D11-0E04-4F2B-9CD0-49E9480C3499}"/>
+              </a:ext>
+            </a:extLst>
+          </p:cNvPr>
+          <p:cNvCxnSpPr>
+            <a:cxnSpLocks/>
+            <a:stCxn id="23" idx="0"/>
+          </p:cNvCxnSpPr>
+          <p:nvPr/>
+        </p:nvCxnSpPr>
+        <p:spPr>
+          <a:xfrm flipH="1" flipV="1">
+            <a:off x="6526992" y="3779590"/>
+            <a:ext cx="642026" cy="1707600"/>
+          </a:xfrm>
+          <a:prstGeom prst="straightConnector1">
+            <a:avLst/>
+          </a:prstGeom>
+          <a:ln w="31750">
+            <a:headEnd type="triangle"/>
+            <a:tailEnd type="triangle"/>
+          </a:ln>
+        </p:spPr>
+        <p:style>
+          <a:lnRef idx="1">
+            <a:schemeClr val="accent1"/>
+          </a:lnRef>
+          <a:fillRef idx="0">
+            <a:schemeClr val="accent1"/>
+          </a:fillRef>
+          <a:effectRef idx="0">
+            <a:schemeClr val="accent1"/>
+          </a:effectRef>
+          <a:fontRef idx="minor">
+            <a:schemeClr val="tx1"/>
+          </a:fontRef>
+        </p:style>
+      </p:cxnSp>
+      <p:cxnSp>
+        <p:nvCxnSpPr>
+          <p:cNvPr id="33" name="Conector recto de flecha 32">
+            <a:extLst>
+              <a:ext uri="{FF2B5EF4-FFF2-40B4-BE49-F238E27FC236}">
+                <a16:creationId xmlns:a16="http://schemas.microsoft.com/office/drawing/2014/main" id="{84284444-2E66-48E3-9E5A-2BEDE7F533CA}"/>
+              </a:ext>
+            </a:extLst>
+          </p:cNvPr>
+          <p:cNvCxnSpPr>
+            <a:cxnSpLocks/>
+            <a:stCxn id="25" idx="0"/>
+            <a:endCxn id="8" idx="2"/>
+          </p:cNvCxnSpPr>
+          <p:nvPr/>
+        </p:nvCxnSpPr>
+        <p:spPr>
+          <a:xfrm flipV="1">
+            <a:off x="9395305" y="4170878"/>
+            <a:ext cx="471791" cy="1316312"/>
+          </a:xfrm>
+          <a:prstGeom prst="straightConnector1">
+            <a:avLst/>
+          </a:prstGeom>
+          <a:ln w="31750">
+            <a:headEnd type="triangle"/>
+            <a:tailEnd type="triangle"/>
+          </a:ln>
+        </p:spPr>
+        <p:style>
+          <a:lnRef idx="1">
+            <a:schemeClr val="accent1"/>
+          </a:lnRef>
+          <a:fillRef idx="0">
+            <a:schemeClr val="accent1"/>
+          </a:fillRef>
+          <a:effectRef idx="0">
+            <a:schemeClr val="accent1"/>
+          </a:effectRef>
+          <a:fontRef idx="minor">
+            <a:schemeClr val="tx1"/>
+          </a:fontRef>
+        </p:style>
+      </p:cxnSp>
+      <p:cxnSp>
+        <p:nvCxnSpPr>
+          <p:cNvPr id="34" name="Conector recto de flecha 33">
+            <a:extLst>
+              <a:ext uri="{FF2B5EF4-FFF2-40B4-BE49-F238E27FC236}">
+                <a16:creationId xmlns:a16="http://schemas.microsoft.com/office/drawing/2014/main" id="{1A36A7CA-B9CA-4FF4-A892-CD7BAC9588DD}"/>
+              </a:ext>
+            </a:extLst>
+          </p:cNvPr>
+          <p:cNvCxnSpPr>
+            <a:cxnSpLocks/>
+            <a:stCxn id="27" idx="0"/>
+          </p:cNvCxnSpPr>
+          <p:nvPr/>
+        </p:nvCxnSpPr>
+        <p:spPr>
+          <a:xfrm flipH="1" flipV="1">
+            <a:off x="10037330" y="4170876"/>
+            <a:ext cx="988980" cy="1326040"/>
+          </a:xfrm>
+          <a:prstGeom prst="straightConnector1">
+            <a:avLst/>
+          </a:prstGeom>
+          <a:ln w="31750">
+            <a:headEnd type="triangle"/>
+            <a:tailEnd type="triangle"/>
+          </a:ln>
+        </p:spPr>
+        <p:style>
+          <a:lnRef idx="1">
+            <a:schemeClr val="accent1"/>
+          </a:lnRef>
+          <a:fillRef idx="0">
+            <a:schemeClr val="accent1"/>
+          </a:fillRef>
+          <a:effectRef idx="0">
+            <a:schemeClr val="accent1"/>
+          </a:effectRef>
+          <a:fontRef idx="minor">
+            <a:schemeClr val="tx1"/>
+          </a:fontRef>
+        </p:style>
+      </p:cxnSp>
+      <p:sp>
+        <p:nvSpPr>
+          <p:cNvPr id="37" name="CuadroTexto 36">
+            <a:extLst>
+              <a:ext uri="{FF2B5EF4-FFF2-40B4-BE49-F238E27FC236}">
+                <a16:creationId xmlns:a16="http://schemas.microsoft.com/office/drawing/2014/main" id="{212446B1-01CC-4A79-83E5-FA4855180F60}"/>
+              </a:ext>
+            </a:extLst>
+          </p:cNvPr>
+          <p:cNvSpPr txBox="1"/>
+          <p:nvPr/>
+        </p:nvSpPr>
+        <p:spPr>
+          <a:xfrm>
+            <a:off x="-523261" y="1664727"/>
+            <a:ext cx="4316781" cy="830997"/>
+          </a:xfrm>
+          <a:prstGeom prst="rect">
+            <a:avLst/>
+          </a:prstGeom>
+          <a:noFill/>
+        </p:spPr>
+        <p:txBody>
+          <a:bodyPr wrap="square" rtlCol="0">
+            <a:spAutoFit/>
+          </a:bodyPr>
+          <a:lstStyle/>
+          <a:p>
+            <a:pPr algn="ctr"/>
+            <a:r>
+              <a:rPr lang="es-ES" sz="2400" b="1" dirty="0">
+                <a:latin typeface="Consolas" panose="020B0609020204030204" pitchFamily="49" charset="0"/>
+              </a:rPr>
+              <a:t>test</a:t>
+            </a:r>
+          </a:p>
+          <a:p>
+            <a:pPr algn="ctr"/>
+            <a:r>
+              <a:rPr lang="es-ES" sz="2400" b="1" dirty="0">
+                <a:latin typeface="Consolas" panose="020B0609020204030204" pitchFamily="49" charset="0"/>
+              </a:rPr>
+              <a:t>(10.0.123.2)</a:t>
+            </a:r>
+            <a:endParaRPr lang="es-ES" b="1" dirty="0">
+              <a:latin typeface="Consolas" panose="020B0609020204030204" pitchFamily="49" charset="0"/>
+            </a:endParaRPr>
+          </a:p>
+        </p:txBody>
+      </p:sp>
+      <p:sp>
+        <p:nvSpPr>
+          <p:cNvPr id="44" name="Rectángulo: esquinas redondeadas 43">
+            <a:extLst>
+              <a:ext uri="{FF2B5EF4-FFF2-40B4-BE49-F238E27FC236}">
+                <a16:creationId xmlns:a16="http://schemas.microsoft.com/office/drawing/2014/main" id="{0E78538D-692A-4CBD-AC24-C1DF761CAE46}"/>
+              </a:ext>
+            </a:extLst>
+          </p:cNvPr>
+          <p:cNvSpPr/>
+          <p:nvPr/>
+        </p:nvSpPr>
+        <p:spPr>
+          <a:xfrm>
+            <a:off x="136827" y="110997"/>
+            <a:ext cx="442105" cy="473072"/>
+          </a:xfrm>
+          <a:prstGeom prst="roundRect">
+            <a:avLst/>
+          </a:prstGeom>
+          <a:solidFill>
+            <a:schemeClr val="accent4">
+              <a:lumMod val="20000"/>
+              <a:lumOff val="80000"/>
+            </a:schemeClr>
+          </a:solidFill>
+        </p:spPr>
+        <p:style>
+          <a:lnRef idx="2">
+            <a:schemeClr val="accent1">
+              <a:shade val="50000"/>
+            </a:schemeClr>
+          </a:lnRef>
+          <a:fillRef idx="1">
+            <a:schemeClr val="accent1"/>
+          </a:fillRef>
+          <a:effectRef idx="0">
+            <a:schemeClr val="accent1"/>
+          </a:effectRef>
+          <a:fontRef idx="minor">
+            <a:schemeClr val="lt1"/>
+          </a:fontRef>
+        </p:style>
+        <p:txBody>
+          <a:bodyPr rtlCol="0" anchor="ctr"/>
+          <a:lstStyle/>
+          <a:p>
+            <a:pPr algn="ctr"/>
+            <a:endParaRPr lang="es-ES" dirty="0"/>
+          </a:p>
+        </p:txBody>
+      </p:sp>
+      <p:sp>
+        <p:nvSpPr>
+          <p:cNvPr id="46" name="CuadroTexto 45">
+            <a:extLst>
+              <a:ext uri="{FF2B5EF4-FFF2-40B4-BE49-F238E27FC236}">
+                <a16:creationId xmlns:a16="http://schemas.microsoft.com/office/drawing/2014/main" id="{BE682F4F-1F28-49DE-9451-E7F5B5CF1D4D}"/>
+              </a:ext>
+            </a:extLst>
+          </p:cNvPr>
+          <p:cNvSpPr txBox="1"/>
+          <p:nvPr/>
+        </p:nvSpPr>
+        <p:spPr>
+          <a:xfrm>
+            <a:off x="657670" y="194219"/>
+            <a:ext cx="2815323" cy="369332"/>
+          </a:xfrm>
+          <a:prstGeom prst="rect">
+            <a:avLst/>
+          </a:prstGeom>
+          <a:noFill/>
+        </p:spPr>
+        <p:txBody>
+          <a:bodyPr wrap="square" rtlCol="0">
+            <a:spAutoFit/>
+          </a:bodyPr>
+          <a:lstStyle/>
+          <a:p>
+            <a:r>
+              <a:rPr lang="es-ES" b="1" dirty="0">
+                <a:solidFill>
+                  <a:schemeClr val="accent1">
+                    <a:lumMod val="50000"/>
+                  </a:schemeClr>
+                </a:solidFill>
+                <a:latin typeface="Consolas" panose="020B0609020204030204" pitchFamily="49" charset="0"/>
+              </a:rPr>
+              <a:t>Network </a:t>
+            </a:r>
+            <a:r>
+              <a:rPr lang="es-ES" b="1" dirty="0" err="1">
+                <a:solidFill>
+                  <a:schemeClr val="accent1">
+                    <a:lumMod val="50000"/>
+                  </a:schemeClr>
+                </a:solidFill>
+                <a:latin typeface="Consolas" panose="020B0609020204030204" pitchFamily="49" charset="0"/>
+              </a:rPr>
+              <a:t>Namespace</a:t>
+            </a:r>
+            <a:endParaRPr lang="es-ES" b="1" dirty="0">
+              <a:solidFill>
+                <a:schemeClr val="accent1">
+                  <a:lumMod val="50000"/>
+                </a:schemeClr>
+              </a:solidFill>
+              <a:latin typeface="Consolas" panose="020B0609020204030204" pitchFamily="49" charset="0"/>
+            </a:endParaRPr>
+          </a:p>
+        </p:txBody>
+      </p:sp>
+      <p:cxnSp>
+        <p:nvCxnSpPr>
+          <p:cNvPr id="48" name="Conector: angular 47">
+            <a:extLst>
+              <a:ext uri="{FF2B5EF4-FFF2-40B4-BE49-F238E27FC236}">
+                <a16:creationId xmlns:a16="http://schemas.microsoft.com/office/drawing/2014/main" id="{E287AAB9-6BB8-4419-99D0-F0BD6A962FC1}"/>
+              </a:ext>
+            </a:extLst>
+          </p:cNvPr>
+          <p:cNvCxnSpPr>
+            <a:cxnSpLocks/>
+            <a:endCxn id="35" idx="1"/>
+          </p:cNvCxnSpPr>
+          <p:nvPr/>
+        </p:nvCxnSpPr>
+        <p:spPr>
+          <a:xfrm flipV="1">
+            <a:off x="3570051" y="1140103"/>
+            <a:ext cx="1505899" cy="1398816"/>
+          </a:xfrm>
+          <a:prstGeom prst="bentConnector3">
+            <a:avLst>
+              <a:gd name="adj1" fmla="val -386"/>
+            </a:avLst>
+          </a:prstGeom>
+          <a:ln w="31750">
+            <a:solidFill>
+              <a:srgbClr val="FF0000"/>
+            </a:solidFill>
+            <a:prstDash val="dash"/>
+            <a:headEnd type="triangle"/>
+            <a:tailEnd type="triangle"/>
+          </a:ln>
+        </p:spPr>
+        <p:style>
+          <a:lnRef idx="1">
+            <a:schemeClr val="accent1"/>
+          </a:lnRef>
+          <a:fillRef idx="0">
+            <a:schemeClr val="accent1"/>
+          </a:fillRef>
+          <a:effectRef idx="0">
+            <a:schemeClr val="accent1"/>
+          </a:effectRef>
+          <a:fontRef idx="minor">
+            <a:schemeClr val="tx1"/>
+          </a:fontRef>
+        </p:style>
+      </p:cxnSp>
+    </p:spTree>
+    <p:extLst>
+      <p:ext uri="{BB962C8B-B14F-4D97-AF65-F5344CB8AC3E}">
+        <p14:creationId xmlns:p14="http://schemas.microsoft.com/office/powerpoint/2010/main" val="3620565508"/>
+      </p:ext>
+    </p:extLst>
+  </p:cSld>
+  <p:clrMapOvr>
+    <a:masterClrMapping/>
+  </p:clrMapOvr>
+</p:sld>
+</file>
+
 <file path=ppt/theme/theme1.xml><?xml version="1.0" encoding="utf-8"?>
 <a:theme xmlns:a="http://schemas.openxmlformats.org/drawingml/2006/main" name="Tema de Office">
   <a:themeElements>
